--- a/Desenho de solução - C4 Model - LetsBuy.pptx
+++ b/Desenho de solução - C4 Model - LetsBuy.pptx
@@ -116,6 +116,50 @@
 </p:presentation>
 </file>
 
+<file path=ppt/changesInfos/changesInfo1.xml><?xml version="1.0" encoding="utf-8"?>
+<pc:chgInfo xmlns:a="http://schemas.openxmlformats.org/drawingml/2006/main" xmlns:r="http://schemas.openxmlformats.org/officeDocument/2006/relationships" xmlns:ac="http://schemas.microsoft.com/office/drawing/2013/main/command" xmlns:pc="http://schemas.microsoft.com/office/powerpoint/2013/main/command">
+  <pc:docChgLst>
+    <pc:chgData name="Leonardo Silva" userId="e13a71dbbaf221ef" providerId="LiveId" clId="{C6E4FBEB-F783-4777-830B-4A5869C29F64}"/>
+    <pc:docChg chg="modSld">
+      <pc:chgData name="Leonardo Silva" userId="e13a71dbbaf221ef" providerId="LiveId" clId="{C6E4FBEB-F783-4777-830B-4A5869C29F64}" dt="2023-11-11T00:02:05.106" v="7" actId="20577"/>
+      <pc:docMkLst>
+        <pc:docMk/>
+      </pc:docMkLst>
+      <pc:sldChg chg="modSp mod">
+        <pc:chgData name="Leonardo Silva" userId="e13a71dbbaf221ef" providerId="LiveId" clId="{C6E4FBEB-F783-4777-830B-4A5869C29F64}" dt="2023-11-11T00:01:57.065" v="3" actId="20577"/>
+        <pc:sldMkLst>
+          <pc:docMk/>
+          <pc:sldMk cId="4268742440" sldId="1214"/>
+        </pc:sldMkLst>
+        <pc:spChg chg="mod">
+          <ac:chgData name="Leonardo Silva" userId="e13a71dbbaf221ef" providerId="LiveId" clId="{C6E4FBEB-F783-4777-830B-4A5869C29F64}" dt="2023-11-11T00:01:57.065" v="3" actId="20577"/>
+          <ac:spMkLst>
+            <pc:docMk/>
+            <pc:sldMk cId="4268742440" sldId="1214"/>
+            <ac:spMk id="47" creationId="{E36F477D-A388-9E3D-4342-AF1EDE8ACD32}"/>
+          </ac:spMkLst>
+        </pc:spChg>
+      </pc:sldChg>
+      <pc:sldChg chg="modSp mod">
+        <pc:chgData name="Leonardo Silva" userId="e13a71dbbaf221ef" providerId="LiveId" clId="{C6E4FBEB-F783-4777-830B-4A5869C29F64}" dt="2023-11-11T00:02:05.106" v="7" actId="20577"/>
+        <pc:sldMkLst>
+          <pc:docMk/>
+          <pc:sldMk cId="4088841249" sldId="1217"/>
+        </pc:sldMkLst>
+        <pc:spChg chg="mod">
+          <ac:chgData name="Leonardo Silva" userId="e13a71dbbaf221ef" providerId="LiveId" clId="{C6E4FBEB-F783-4777-830B-4A5869C29F64}" dt="2023-11-11T00:02:05.106" v="7" actId="20577"/>
+          <ac:spMkLst>
+            <pc:docMk/>
+            <pc:sldMk cId="4088841249" sldId="1217"/>
+            <ac:spMk id="47" creationId="{E36F477D-A388-9E3D-4342-AF1EDE8ACD32}"/>
+          </ac:spMkLst>
+        </pc:spChg>
+      </pc:sldChg>
+    </pc:docChg>
+  </pc:docChgLst>
+</pc:chgInfo>
+</file>
+
 <file path=ppt/notesMasters/notesMaster1.xml><?xml version="1.0" encoding="utf-8"?>
 <p:notesMaster xmlns:a="http://schemas.openxmlformats.org/drawingml/2006/main" xmlns:r="http://schemas.openxmlformats.org/officeDocument/2006/relationships" xmlns:p="http://schemas.openxmlformats.org/presentationml/2006/main">
   <p:cSld>
@@ -198,7 +242,7 @@
           <a:p>
             <a:fld id="{8AC79F10-E06E-4CE2-A9B4-B99BB230B28A}" type="datetimeFigureOut">
               <a:rPr lang="pt-BR" smtClean="0"/>
-              <a:t>15/10/2023</a:t>
+              <a:t>10/11/2023</a:t>
             </a:fld>
             <a:endParaRPr lang="pt-BR"/>
           </a:p>
@@ -11310,7 +11354,7 @@
           <a:lstStyle/>
           <a:p>
             <a:pPr algn="ctr"/>
-            <a:endParaRPr lang="pt-BR" sz="1632">
+            <a:endParaRPr lang="pt-BR" sz="1632" dirty="0">
               <a:solidFill>
                 <a:prstClr val="white"/>
               </a:solidFill>
@@ -11866,7 +11910,7 @@
                   <a:schemeClr val="bg1"/>
                 </a:solidFill>
               </a:rPr>
-              <a:t>[Container: Node]</a:t>
+              <a:t>[Container: Java]</a:t>
             </a:r>
           </a:p>
         </p:txBody>
@@ -13952,7 +13996,7 @@
                   <a:schemeClr val="bg1"/>
                 </a:solidFill>
               </a:rPr>
-              <a:t>[Container: Node]</a:t>
+              <a:t>[Container: Java]</a:t>
             </a:r>
           </a:p>
         </p:txBody>
@@ -15716,13 +15760,13 @@
 
 <file path=customXml/item1.xml><?xml version="1.0" encoding="utf-8"?>
 <Control xmlns="http://schemas.microsoft.com/VisualStudio/2011/storyboarding/control">
-  <Id Name="System.Storyboarding.Common.MousePointer" Revision="1" Stencil="System.Storyboarding.Common" StencilVersion="0.1"/>
+  <Id Name="System.Storyboarding.Common.Button" Revision="1" Stencil="System.Storyboarding.Common" StencilVersion="0.1"/>
 </Control>
 </file>
 
 <file path=customXml/item2.xml><?xml version="1.0" encoding="utf-8"?>
 <Control xmlns="http://schemas.microsoft.com/VisualStudio/2011/storyboarding/control">
-  <Id Name="System.Storyboarding.Common.Button" Revision="1" Stencil="System.Storyboarding.Common" StencilVersion="0.1"/>
+  <Id Name="System.Storyboarding.Common.MousePointer" Revision="1" Stencil="System.Storyboarding.Common" StencilVersion="0.1"/>
 </Control>
 </file>
 
@@ -15733,7 +15777,7 @@
 </file>
 
 <file path=customXml/itemProps1.xml><?xml version="1.0" encoding="utf-8"?>
-<ds:datastoreItem xmlns:ds="http://schemas.openxmlformats.org/officeDocument/2006/customXml" ds:itemID="{817C9E37-650B-4CCF-B951-DE51C8217DA2}">
+<ds:datastoreItem xmlns:ds="http://schemas.openxmlformats.org/officeDocument/2006/customXml" ds:itemID="{89972C15-A741-472E-B305-DD97487358F0}">
   <ds:schemaRefs>
     <ds:schemaRef ds:uri="http://schemas.microsoft.com/VisualStudio/2011/storyboarding/control"/>
   </ds:schemaRefs>
@@ -15741,7 +15785,7 @@
 </file>
 
 <file path=customXml/itemProps2.xml><?xml version="1.0" encoding="utf-8"?>
-<ds:datastoreItem xmlns:ds="http://schemas.openxmlformats.org/officeDocument/2006/customXml" ds:itemID="{89972C15-A741-472E-B305-DD97487358F0}">
+<ds:datastoreItem xmlns:ds="http://schemas.openxmlformats.org/officeDocument/2006/customXml" ds:itemID="{817C9E37-650B-4CCF-B951-DE51C8217DA2}">
   <ds:schemaRefs>
     <ds:schemaRef ds:uri="http://schemas.microsoft.com/VisualStudio/2011/storyboarding/control"/>
   </ds:schemaRefs>
